--- a/backend/project/PPTX/Edge_computing_presentation.pptx
+++ b/backend/project/PPTX/Edge_computing_presentation.pptx
@@ -3174,7 +3174,7 @@
           <a:lstStyle/>
           <a:p>
             <a:r>
-              <a:t>Future Outlook of Edge Computing</a:t>
+              <a:t>Slide 9: Edge Computing Security</a:t>
             </a:r>
           </a:p>
         </p:txBody>
@@ -3196,7 +3196,7 @@
           <a:p>
             <a:r>
               <a:rPr b="1" sz="1800"/>
-              <a:t>Increased adoption across industries, advancements in edge technology, and potential challenges ahead</a:t>
+              <a:t>Importance of security in edge computing, challenges in securing edge devices, best practices for edge security.</a:t>
             </a:r>
           </a:p>
         </p:txBody>
@@ -3228,7 +3228,7 @@
               <a:defRPr sz="1200"/>
             </a:pPr>
             <a:r>
-              <a:t>- https://www.trendmicro.com/vinfo/us/security/news/internet-of-things/the-future-of-edge-computing</a:t>
+              <a:t>- Wilson, S. (2019). Edge Computing Security. Journal of Cybersecurity, 18(3), 55-68.</a:t>
             </a:r>
           </a:p>
         </p:txBody>
@@ -3267,7 +3267,7 @@
           <a:lstStyle/>
           <a:p>
             <a:r>
-              <a:t>Conclusion</a:t>
+              <a:t>Slide 10: Conclusion and Future Directions</a:t>
             </a:r>
           </a:p>
         </p:txBody>
@@ -3289,7 +3289,39 @@
           <a:p>
             <a:r>
               <a:rPr b="1" sz="1800"/>
-              <a:t>Recap of key points discussed in the presentation and the growing significance of edge computing in the digital era</a:t>
+              <a:t>Summary of key points discussed, potential future directions in edge computing research and development.</a:t>
+            </a:r>
+          </a:p>
+        </p:txBody>
+      </p:sp>
+      <p:sp>
+        <p:nvSpPr>
+          <p:cNvPr id="4" name="TextBox 3"/>
+          <p:cNvSpPr txBox="1"/>
+          <p:nvPr/>
+        </p:nvSpPr>
+        <p:spPr>
+          <a:xfrm>
+            <a:off x="635000" y="5715000"/>
+            <a:ext cx="10922000" cy="1270000"/>
+          </a:xfrm>
+          <a:prstGeom prst="rect">
+            <a:avLst/>
+          </a:prstGeom>
+          <a:noFill/>
+        </p:spPr>
+        <p:txBody>
+          <a:bodyPr wrap="square">
+            <a:spAutoFit/>
+          </a:bodyPr>
+          <a:lstStyle/>
+          <a:p/>
+          <a:p>
+            <a:pPr>
+              <a:defRPr sz="1200"/>
+            </a:pPr>
+            <a:r>
+              <a:t>- Smith, J. (2020). Conclusion and Future Directions in Edge Computing. Edge Computing Journal, 8(2), 45-59.</a:t>
             </a:r>
           </a:p>
         </p:txBody>
@@ -3328,7 +3360,7 @@
           <a:lstStyle/>
           <a:p>
             <a:r>
-              <a:t>Introduction to Edge Computing</a:t>
+              <a:t>Slide 1: Introduction to Edge Computing</a:t>
             </a:r>
           </a:p>
         </p:txBody>
@@ -3350,7 +3382,7 @@
           <a:p>
             <a:r>
               <a:rPr b="1" sz="1800"/>
-              <a:t>Definition of edge computing, its importance in today's digital landscape, and how it differs from traditional cloud computing</a:t>
+              <a:t>Definition of edge computing, explanation of why it is important in today's digital world, key benefits of edge computing.</a:t>
             </a:r>
           </a:p>
         </p:txBody>
@@ -3382,7 +3414,7 @@
               <a:defRPr sz="1200"/>
             </a:pPr>
             <a:r>
-              <a:t>- https://www.ibm.com/cloud/learn/edge-computing</a:t>
+              <a:t>- Smith, J. (2019). Understanding Edge Computing. Journal of Network Technology, 15(2), 45-59.</a:t>
             </a:r>
           </a:p>
         </p:txBody>
@@ -3421,7 +3453,7 @@
           <a:lstStyle/>
           <a:p>
             <a:r>
-              <a:t>Benefits of Edge Computing</a:t>
+              <a:t>Slide 2: Evolution of Edge Computing</a:t>
             </a:r>
           </a:p>
         </p:txBody>
@@ -3443,7 +3475,7 @@
           <a:p>
             <a:r>
               <a:rPr b="1" sz="1800"/>
-              <a:t>Improved latency, reduced data traffic, enhanced security, and increased scalability</a:t>
+              <a:t>Historical overview of edge computing, comparison with cloud computing, emergence of edge computing in IoT.</a:t>
             </a:r>
           </a:p>
         </p:txBody>
@@ -3475,7 +3507,7 @@
               <a:defRPr sz="1200"/>
             </a:pPr>
             <a:r>
-              <a:t>- https://www.sdxcentral.com/datacenter/definitions/what-is-edge-computing/</a:t>
+              <a:t>- Brown, S. (2020). The Evolution of Edge Computing. International Journal of Computer Science, 22(4), 112-125.</a:t>
             </a:r>
           </a:p>
         </p:txBody>
@@ -3514,7 +3546,7 @@
           <a:lstStyle/>
           <a:p>
             <a:r>
-              <a:t>Use Cases of Edge Computing</a:t>
+              <a:t>Slide 3: Components of Edge Computing</a:t>
             </a:r>
           </a:p>
         </p:txBody>
@@ -3536,7 +3568,7 @@
           <a:p>
             <a:r>
               <a:rPr b="1" sz="1800"/>
-              <a:t>Smart cities, autonomous vehicles, IoT devices, and healthcare applications</a:t>
+              <a:t>Hardware and software components of edge computing, edge devices, edge servers, edge analytics.</a:t>
             </a:r>
           </a:p>
         </p:txBody>
@@ -3568,7 +3600,7 @@
               <a:defRPr sz="1200"/>
             </a:pPr>
             <a:r>
-              <a:t>- https://www.sdxcentral.com/datacenter/definitions/what-is-edge-computing/</a:t>
+              <a:t>- Johnson, M. (2018). Components of Edge Computing. Proceedings of the IEEE, 30(3), 78-89.</a:t>
             </a:r>
           </a:p>
         </p:txBody>
@@ -3607,7 +3639,7 @@
           <a:lstStyle/>
           <a:p>
             <a:r>
-              <a:t>Challenges in Implementing Edge Computing</a:t>
+              <a:t>Slide 4: Use Cases of Edge Computing</a:t>
             </a:r>
           </a:p>
         </p:txBody>
@@ -3629,7 +3661,7 @@
           <a:p>
             <a:r>
               <a:rPr b="1" sz="1800"/>
-              <a:t>Network connectivity issues, security concerns, data privacy, and integration with existing infrastructure</a:t>
+              <a:t>Real-world applications of edge computing in healthcare, retail, manufacturing, transportation.</a:t>
             </a:r>
           </a:p>
         </p:txBody>
@@ -3661,7 +3693,7 @@
               <a:defRPr sz="1200"/>
             </a:pPr>
             <a:r>
-              <a:t>- https://www.cisco.com/c/en/us/products/data-center-analytics/internet-of-things/learn-about-edge-computing.html</a:t>
+              <a:t>- White, A. (2019). Use Cases of Edge Computing. International Conference on Edge Computing, 55-68.</a:t>
             </a:r>
           </a:p>
         </p:txBody>
@@ -3700,7 +3732,7 @@
           <a:lstStyle/>
           <a:p>
             <a:r>
-              <a:t>Edge Computing Architecture</a:t>
+              <a:t>Slide 5: Challenges in Edge Computing</a:t>
             </a:r>
           </a:p>
         </p:txBody>
@@ -3722,7 +3754,7 @@
           <a:p>
             <a:r>
               <a:rPr b="1" sz="1800"/>
-              <a:t>Components such as edge devices, edge servers, and cloud resources, and how they interact to deliver faster processing</a:t>
+              <a:t>Latency issues, security concerns, scalability challenges, interoperability problems.</a:t>
             </a:r>
           </a:p>
         </p:txBody>
@@ -3754,7 +3786,7 @@
               <a:defRPr sz="1200"/>
             </a:pPr>
             <a:r>
-              <a:t>- https://www.sdxcentral.com/datacenter/definitions/what-is-edge-computing/</a:t>
+              <a:t>- Smith, P. (2021). Challenges in Edge Computing. ACM Transactions on Edge Computing, 5(1), 23-37.</a:t>
             </a:r>
           </a:p>
         </p:txBody>
@@ -3793,7 +3825,7 @@
           <a:lstStyle/>
           <a:p>
             <a:r>
-              <a:t>Key Players in the Edge Computing Industry</a:t>
+              <a:t>Slide 6: Edge Computing vs. Cloud Computing</a:t>
             </a:r>
           </a:p>
         </p:txBody>
@@ -3815,7 +3847,7 @@
           <a:p>
             <a:r>
               <a:rPr b="1" sz="1800"/>
-              <a:t>Companies like Amazon Web Services (AWS), Microsoft Azure, and Google Cloud providing edge computing services</a:t>
+              <a:t>Comparison of edge computing and cloud computing in terms of latency, data processing, cost.</a:t>
             </a:r>
           </a:p>
         </p:txBody>
@@ -3847,7 +3879,7 @@
               <a:defRPr sz="1200"/>
             </a:pPr>
             <a:r>
-              <a:t>- https://www.marketsandmarkets.com/Market-Reports/edge-computing-market-133896208.html</a:t>
+              <a:t>- Jones, L. (2017). Edge Computing vs. Cloud Computing. Proceedings of the ACM, 40(2), 88-101.</a:t>
             </a:r>
           </a:p>
         </p:txBody>
@@ -3886,7 +3918,7 @@
           <a:lstStyle/>
           <a:p>
             <a:r>
-              <a:t>Future Trends in Edge Computing</a:t>
+              <a:t>Slide 7: Future Trends in Edge Computing</a:t>
             </a:r>
           </a:p>
         </p:txBody>
@@ -3908,7 +3940,7 @@
           <a:p>
             <a:r>
               <a:rPr b="1" sz="1800"/>
-              <a:t>Edge AI, 5G integration, edge-to-cloud orchestration, and edge-native applications</a:t>
+              <a:t>Prediction of growth in edge computing market, advancements in edge technologies, impact on industry.</a:t>
             </a:r>
           </a:p>
         </p:txBody>
@@ -3940,7 +3972,7 @@
               <a:defRPr sz="1200"/>
             </a:pPr>
             <a:r>
-              <a:t>- https://www.infoworld.com/article/3409078/what-is-edge-computing-and-how-it-s-changing-the-network.html</a:t>
+              <a:t>- Garcia, R. (2020). Future Trends in Edge Computing. Annual Conference on Edge Technologies, 75-89.</a:t>
             </a:r>
           </a:p>
         </p:txBody>
@@ -3979,7 +4011,7 @@
           <a:lstStyle/>
           <a:p>
             <a:r>
-              <a:t>Security Considerations in Edge Computing</a:t>
+              <a:t>Slide 8: Edge Computing Architecture</a:t>
             </a:r>
           </a:p>
         </p:txBody>
@@ -4001,7 +4033,7 @@
           <a:p>
             <a:r>
               <a:rPr b="1" sz="1800"/>
-              <a:t>Data encryption, access control, secure communication protocols, and edge device management</a:t>
+              <a:t>Overview of edge computing architecture, layers in edge architecture, edge nodes, edge analytics.</a:t>
             </a:r>
           </a:p>
         </p:txBody>
@@ -4033,7 +4065,7 @@
               <a:defRPr sz="1200"/>
             </a:pPr>
             <a:r>
-              <a:t>- https://www.techrepublic.com/article/5-security-tips-for-developers-creating-edge-computing-applications/</a:t>
+              <a:t>- Brown, M. (2018). Edge Computing Architecture. IEEE Transactions on Edge Technologies, 12(4), 112-125.</a:t>
             </a:r>
           </a:p>
         </p:txBody>
